--- a/你永遠如此深愛著.pptx
+++ b/你永遠如此深愛著.pptx
@@ -5,16 +5,16 @@
     <p:sldMasterId id="2147483660" r:id="rId1"/>
   </p:sldMasterIdLst>
   <p:sldIdLst>
-    <p:sldId id="257" r:id="rId2"/>
-    <p:sldId id="258" r:id="rId3"/>
-    <p:sldId id="259" r:id="rId4"/>
-    <p:sldId id="260" r:id="rId5"/>
-    <p:sldId id="261" r:id="rId6"/>
-    <p:sldId id="263" r:id="rId7"/>
+    <p:sldId id="256" r:id="rId2"/>
+    <p:sldId id="257" r:id="rId3"/>
+    <p:sldId id="258" r:id="rId4"/>
+    <p:sldId id="259" r:id="rId5"/>
+    <p:sldId id="260" r:id="rId6"/>
+    <p:sldId id="261" r:id="rId7"/>
     <p:sldId id="262" r:id="rId8"/>
-    <p:sldId id="264" r:id="rId9"/>
-    <p:sldId id="265" r:id="rId10"/>
-    <p:sldId id="266" r:id="rId11"/>
+    <p:sldId id="263" r:id="rId9"/>
+    <p:sldId id="264" r:id="rId10"/>
+    <p:sldId id="265" r:id="rId11"/>
   </p:sldIdLst>
   <p:sldSz cx="12192000" cy="6858000"/>
   <p:notesSz cx="6858000" cy="9144000"/>
@@ -113,6 +113,11 @@
       </a:defRPr>
     </a:lvl9pPr>
   </p:defaultTextStyle>
+  <p:extLst>
+    <p:ext uri="{EFAFB233-063F-42B5-8137-9DF3F51BA10A}">
+      <p15:sldGuideLst xmlns:p15="http://schemas.microsoft.com/office/powerpoint/2012/main"/>
+    </p:ext>
+  </p:extLst>
 </p:presentation>
 </file>
 
@@ -297,7 +302,7 @@
           <a:p>
             <a:fld id="{31F3115C-BB06-4256-A0EE-CA1EF37828C7}" type="datetimeFigureOut">
               <a:rPr lang="vi-VN" smtClean="0"/>
-              <a:t>02/04/2022</a:t>
+              <a:t>03/06/2023</a:t>
             </a:fld>
             <a:endParaRPr lang="vi-VN"/>
           </a:p>
@@ -467,7 +472,7 @@
           <a:p>
             <a:fld id="{31F3115C-BB06-4256-A0EE-CA1EF37828C7}" type="datetimeFigureOut">
               <a:rPr lang="vi-VN" smtClean="0"/>
-              <a:t>02/04/2022</a:t>
+              <a:t>03/06/2023</a:t>
             </a:fld>
             <a:endParaRPr lang="vi-VN"/>
           </a:p>
@@ -647,7 +652,7 @@
           <a:p>
             <a:fld id="{31F3115C-BB06-4256-A0EE-CA1EF37828C7}" type="datetimeFigureOut">
               <a:rPr lang="vi-VN" smtClean="0"/>
-              <a:t>02/04/2022</a:t>
+              <a:t>03/06/2023</a:t>
             </a:fld>
             <a:endParaRPr lang="vi-VN"/>
           </a:p>
@@ -817,7 +822,7 @@
           <a:p>
             <a:fld id="{31F3115C-BB06-4256-A0EE-CA1EF37828C7}" type="datetimeFigureOut">
               <a:rPr lang="vi-VN" smtClean="0"/>
-              <a:t>02/04/2022</a:t>
+              <a:t>03/06/2023</a:t>
             </a:fld>
             <a:endParaRPr lang="vi-VN"/>
           </a:p>
@@ -1063,7 +1068,7 @@
           <a:p>
             <a:fld id="{31F3115C-BB06-4256-A0EE-CA1EF37828C7}" type="datetimeFigureOut">
               <a:rPr lang="vi-VN" smtClean="0"/>
-              <a:t>02/04/2022</a:t>
+              <a:t>03/06/2023</a:t>
             </a:fld>
             <a:endParaRPr lang="vi-VN"/>
           </a:p>
@@ -1351,7 +1356,7 @@
           <a:p>
             <a:fld id="{31F3115C-BB06-4256-A0EE-CA1EF37828C7}" type="datetimeFigureOut">
               <a:rPr lang="vi-VN" smtClean="0"/>
-              <a:t>02/04/2022</a:t>
+              <a:t>03/06/2023</a:t>
             </a:fld>
             <a:endParaRPr lang="vi-VN"/>
           </a:p>
@@ -1773,7 +1778,7 @@
           <a:p>
             <a:fld id="{31F3115C-BB06-4256-A0EE-CA1EF37828C7}" type="datetimeFigureOut">
               <a:rPr lang="vi-VN" smtClean="0"/>
-              <a:t>02/04/2022</a:t>
+              <a:t>03/06/2023</a:t>
             </a:fld>
             <a:endParaRPr lang="vi-VN"/>
           </a:p>
@@ -1891,7 +1896,7 @@
           <a:p>
             <a:fld id="{31F3115C-BB06-4256-A0EE-CA1EF37828C7}" type="datetimeFigureOut">
               <a:rPr lang="vi-VN" smtClean="0"/>
-              <a:t>02/04/2022</a:t>
+              <a:t>03/06/2023</a:t>
             </a:fld>
             <a:endParaRPr lang="vi-VN"/>
           </a:p>
@@ -1986,7 +1991,7 @@
           <a:p>
             <a:fld id="{31F3115C-BB06-4256-A0EE-CA1EF37828C7}" type="datetimeFigureOut">
               <a:rPr lang="vi-VN" smtClean="0"/>
-              <a:t>02/04/2022</a:t>
+              <a:t>03/06/2023</a:t>
             </a:fld>
             <a:endParaRPr lang="vi-VN"/>
           </a:p>
@@ -2263,7 +2268,7 @@
           <a:p>
             <a:fld id="{31F3115C-BB06-4256-A0EE-CA1EF37828C7}" type="datetimeFigureOut">
               <a:rPr lang="vi-VN" smtClean="0"/>
-              <a:t>02/04/2022</a:t>
+              <a:t>03/06/2023</a:t>
             </a:fld>
             <a:endParaRPr lang="vi-VN"/>
           </a:p>
@@ -2520,7 +2525,7 @@
           <a:p>
             <a:fld id="{31F3115C-BB06-4256-A0EE-CA1EF37828C7}" type="datetimeFigureOut">
               <a:rPr lang="vi-VN" smtClean="0"/>
-              <a:t>02/04/2022</a:t>
+              <a:t>03/06/2023</a:t>
             </a:fld>
             <a:endParaRPr lang="vi-VN"/>
           </a:p>
@@ -2738,7 +2743,7 @@
           <a:p>
             <a:fld id="{31F3115C-BB06-4256-A0EE-CA1EF37828C7}" type="datetimeFigureOut">
               <a:rPr lang="vi-VN" smtClean="0"/>
-              <a:t>02/04/2022</a:t>
+              <a:t>03/06/2023</a:t>
             </a:fld>
             <a:endParaRPr lang="vi-VN"/>
           </a:p>
@@ -3136,7 +3141,7 @@
           <a:lstStyle/>
           <a:p>
             <a:r>
-              <a:rPr lang="zh-TW" altLang="en-US" sz="7200" b="1" i="1" dirty="0" smtClean="0">
+              <a:rPr lang="zh-TW" altLang="en-US" sz="7200" b="1" i="1" dirty="0">
                 <a:solidFill>
                   <a:srgbClr val="660033"/>
                 </a:solidFill>
@@ -3175,7 +3180,7 @@
     </p:spTree>
     <p:extLst>
       <p:ext uri="{BB962C8B-B14F-4D97-AF65-F5344CB8AC3E}">
-        <p14:creationId xmlns:p14="http://schemas.microsoft.com/office/powerpoint/2010/main" val="1275023516"/>
+        <p14:creationId xmlns:p14="http://schemas.microsoft.com/office/powerpoint/2010/main" val="789199972"/>
       </p:ext>
     </p:extLst>
   </p:cSld>
@@ -3220,7 +3225,7 @@
         </p:spPr>
         <p:txBody>
           <a:bodyPr anchor="ctr">
-            <a:normAutofit/>
+            <a:noAutofit/>
           </a:bodyPr>
           <a:lstStyle/>
           <a:p>
@@ -3238,14 +3243,14 @@
               <a:t>無法測</a:t>
             </a:r>
             <a:r>
-              <a:rPr lang="zh-TW" altLang="en-US" sz="6400" b="1" dirty="0" smtClean="0">
+              <a:rPr lang="zh-TW" altLang="en-US" sz="6400" b="1" dirty="0">
                 <a:solidFill>
                   <a:srgbClr val="660033"/>
                 </a:solidFill>
                 <a:latin typeface="微軟正黑體" pitchFamily="34" charset="-120"/>
                 <a:ea typeface="微軟正黑體" pitchFamily="34" charset="-120"/>
               </a:rPr>
-              <a:t>透   永</a:t>
+              <a:t>透  永</a:t>
             </a:r>
             <a:r>
               <a:rPr lang="zh-TW" altLang="en-US" sz="6400" b="1" dirty="0">
@@ -3318,7 +3323,7 @@
         <p:spPr>
           <a:xfrm>
             <a:off x="0" y="5157192"/>
-            <a:ext cx="12192000" cy="748988"/>
+            <a:ext cx="12192000" cy="666786"/>
           </a:xfrm>
           <a:prstGeom prst="rect">
             <a:avLst/>
@@ -3333,7 +3338,7 @@
           <a:p>
             <a:pPr algn="ctr"/>
             <a:r>
-              <a:rPr lang="en-US" sz="4267" b="1" dirty="0">
+              <a:rPr lang="en-US" sz="3733" b="1" dirty="0">
                 <a:solidFill>
                   <a:srgbClr val="660033"/>
                 </a:solidFill>
@@ -3343,7 +3348,7 @@
               <a:t>( </a:t>
             </a:r>
             <a:r>
-              <a:rPr lang="zh-CN" altLang="en-US" sz="4267" b="1" dirty="0" smtClean="0">
+              <a:rPr lang="zh-CN" altLang="en-US" sz="3733" b="1" dirty="0">
                 <a:solidFill>
                   <a:srgbClr val="660033"/>
                 </a:solidFill>
@@ -3353,26 +3358,16 @@
               <a:t>橋</a:t>
             </a:r>
             <a:r>
-              <a:rPr lang="en-US" sz="4267" b="1" dirty="0" smtClean="0">
+              <a:rPr lang="en-US" sz="3733" b="1" dirty="0">
                 <a:solidFill>
                   <a:srgbClr val="660033"/>
                 </a:solidFill>
                 <a:latin typeface="Microsoft JhengHei" panose="020B0604030504040204" pitchFamily="34" charset="-120"/>
                 <a:ea typeface="Microsoft JhengHei" panose="020B0604030504040204" pitchFamily="34" charset="-120"/>
               </a:rPr>
-              <a:t> </a:t>
-            </a:r>
-            <a:r>
-              <a:rPr lang="en-US" sz="4267" b="1" dirty="0">
-                <a:solidFill>
-                  <a:srgbClr val="660033"/>
-                </a:solidFill>
-                <a:latin typeface="Microsoft JhengHei" panose="020B0604030504040204" pitchFamily="34" charset="-120"/>
-                <a:ea typeface="Microsoft JhengHei" panose="020B0604030504040204" pitchFamily="34" charset="-120"/>
-              </a:rPr>
-              <a:t>)</a:t>
-            </a:r>
-            <a:endParaRPr lang="vi-VN" sz="4267" b="1" dirty="0">
+              <a:t> )</a:t>
+            </a:r>
+            <a:endParaRPr lang="vi-VN" sz="3733" b="1" dirty="0">
               <a:solidFill>
                 <a:srgbClr val="660033"/>
               </a:solidFill>
@@ -3384,7 +3379,7 @@
     </p:spTree>
     <p:extLst>
       <p:ext uri="{BB962C8B-B14F-4D97-AF65-F5344CB8AC3E}">
-        <p14:creationId xmlns:p14="http://schemas.microsoft.com/office/powerpoint/2010/main" val="4030912811"/>
+        <p14:creationId xmlns:p14="http://schemas.microsoft.com/office/powerpoint/2010/main" val="3617924483"/>
       </p:ext>
     </p:extLst>
   </p:cSld>
@@ -3437,7 +3432,7 @@
               <a:buNone/>
             </a:pPr>
             <a:r>
-              <a:rPr lang="zh-TW" altLang="en-US" sz="6400" b="1" dirty="0" smtClean="0">
+              <a:rPr lang="zh-TW" altLang="en-US" sz="6400" b="1" dirty="0">
                 <a:solidFill>
                   <a:srgbClr val="660033"/>
                 </a:solidFill>
@@ -3457,7 +3452,7 @@
               <a:t>滴寶血為我而</a:t>
             </a:r>
             <a:r>
-              <a:rPr lang="zh-TW" altLang="en-US" sz="6400" b="1" dirty="0" smtClean="0">
+              <a:rPr lang="zh-TW" altLang="en-US" sz="6400" b="1" dirty="0">
                 <a:solidFill>
                   <a:srgbClr val="660033"/>
                 </a:solidFill>
@@ -3465,38 +3460,6 @@
                 <a:ea typeface="微軟正黑體" pitchFamily="34" charset="-120"/>
               </a:rPr>
               <a:t>流</a:t>
-            </a:r>
-            <a:endParaRPr lang="en-US" altLang="zh-TW" sz="6400" b="1" dirty="0" smtClean="0">
-              <a:solidFill>
-                <a:srgbClr val="660033"/>
-              </a:solidFill>
-              <a:latin typeface="微軟正黑體" pitchFamily="34" charset="-120"/>
-              <a:ea typeface="微軟正黑體" pitchFamily="34" charset="-120"/>
-            </a:endParaRPr>
-          </a:p>
-          <a:p>
-            <a:pPr algn="ctr">
-              <a:buNone/>
-            </a:pPr>
-            <a:r>
-              <a:rPr lang="zh-TW" altLang="en-US" sz="6400" b="1" dirty="0" smtClean="0">
-                <a:solidFill>
-                  <a:srgbClr val="660033"/>
-                </a:solidFill>
-                <a:latin typeface="微軟正黑體" pitchFamily="34" charset="-120"/>
-                <a:ea typeface="微軟正黑體" pitchFamily="34" charset="-120"/>
-              </a:rPr>
-              <a:t>每</a:t>
-            </a:r>
-            <a:r>
-              <a:rPr lang="zh-TW" altLang="en-US" sz="6400" b="1" dirty="0">
-                <a:solidFill>
-                  <a:srgbClr val="660033"/>
-                </a:solidFill>
-                <a:latin typeface="微軟正黑體" pitchFamily="34" charset="-120"/>
-                <a:ea typeface="微軟正黑體" pitchFamily="34" charset="-120"/>
-              </a:rPr>
-              <a:t>個刑罰為我承受</a:t>
             </a:r>
             <a:endParaRPr lang="en-US" altLang="zh-TW" sz="6400" b="1" dirty="0">
               <a:solidFill>
@@ -3506,6 +3469,38 @@
               <a:ea typeface="微軟正黑體" pitchFamily="34" charset="-120"/>
             </a:endParaRPr>
           </a:p>
+          <a:p>
+            <a:pPr algn="ctr">
+              <a:buNone/>
+            </a:pPr>
+            <a:r>
+              <a:rPr lang="zh-TW" altLang="en-US" sz="6400" b="1" dirty="0">
+                <a:solidFill>
+                  <a:srgbClr val="660033"/>
+                </a:solidFill>
+                <a:latin typeface="微軟正黑體" pitchFamily="34" charset="-120"/>
+                <a:ea typeface="微軟正黑體" pitchFamily="34" charset="-120"/>
+              </a:rPr>
+              <a:t>每</a:t>
+            </a:r>
+            <a:r>
+              <a:rPr lang="zh-TW" altLang="en-US" sz="6400" b="1" dirty="0">
+                <a:solidFill>
+                  <a:srgbClr val="660033"/>
+                </a:solidFill>
+                <a:latin typeface="微軟正黑體" pitchFamily="34" charset="-120"/>
+                <a:ea typeface="微軟正黑體" pitchFamily="34" charset="-120"/>
+              </a:rPr>
+              <a:t>個刑罰為我承受</a:t>
+            </a:r>
+            <a:endParaRPr lang="en-US" altLang="zh-TW" sz="6400" b="1" dirty="0">
+              <a:solidFill>
+                <a:srgbClr val="660033"/>
+              </a:solidFill>
+              <a:latin typeface="微軟正黑體" pitchFamily="34" charset="-120"/>
+              <a:ea typeface="微軟正黑體" pitchFamily="34" charset="-120"/>
+            </a:endParaRPr>
+          </a:p>
         </p:txBody>
       </p:sp>
       <p:sp>
@@ -3517,7 +3512,7 @@
         <p:spPr>
           <a:xfrm>
             <a:off x="0" y="5157192"/>
-            <a:ext cx="12192000" cy="748988"/>
+            <a:ext cx="12192000" cy="666786"/>
           </a:xfrm>
           <a:prstGeom prst="rect">
             <a:avLst/>
@@ -3532,7 +3527,7 @@
           <a:p>
             <a:pPr algn="ctr"/>
             <a:r>
-              <a:rPr lang="en-US" sz="4267" b="1" dirty="0">
+              <a:rPr lang="en-US" sz="3733" b="1" dirty="0">
                 <a:solidFill>
                   <a:srgbClr val="660033"/>
                 </a:solidFill>
@@ -3542,17 +3537,17 @@
               <a:t>( </a:t>
             </a:r>
             <a:r>
-              <a:rPr lang="zh-CN" altLang="en-US" sz="4267" b="1" dirty="0">
+              <a:rPr lang="zh-CN" altLang="en-US" sz="3733" b="1" dirty="0">
                 <a:solidFill>
                   <a:srgbClr val="660033"/>
                 </a:solidFill>
                 <a:latin typeface="Microsoft JhengHei" panose="020B0604030504040204" pitchFamily="34" charset="-120"/>
                 <a:ea typeface="Microsoft JhengHei" panose="020B0604030504040204" pitchFamily="34" charset="-120"/>
               </a:rPr>
-              <a:t>正</a:t>
-            </a:r>
-            <a:r>
-              <a:rPr lang="en-US" sz="4267" b="1" dirty="0">
+              <a:t>正歌</a:t>
+            </a:r>
+            <a:r>
+              <a:rPr lang="en-US" sz="3733" b="1" dirty="0">
                 <a:solidFill>
                   <a:srgbClr val="660033"/>
                 </a:solidFill>
@@ -3561,7 +3556,7 @@
               </a:rPr>
               <a:t> )</a:t>
             </a:r>
-            <a:endParaRPr lang="vi-VN" sz="4267" b="1" dirty="0">
+            <a:endParaRPr lang="vi-VN" sz="3733" b="1" dirty="0">
               <a:solidFill>
                 <a:srgbClr val="660033"/>
               </a:solidFill>
@@ -3573,7 +3568,7 @@
     </p:spTree>
     <p:extLst>
       <p:ext uri="{BB962C8B-B14F-4D97-AF65-F5344CB8AC3E}">
-        <p14:creationId xmlns:p14="http://schemas.microsoft.com/office/powerpoint/2010/main" val="1066307042"/>
+        <p14:creationId xmlns:p14="http://schemas.microsoft.com/office/powerpoint/2010/main" val="2825395697"/>
       </p:ext>
     </p:extLst>
   </p:cSld>
@@ -3636,14 +3631,14 @@
               <a:t>恩典如</a:t>
             </a:r>
             <a:r>
-              <a:rPr lang="zh-TW" altLang="en-US" sz="6400" b="1" dirty="0" smtClean="0">
+              <a:rPr lang="zh-TW" altLang="en-US" sz="6400" b="1" dirty="0">
                 <a:solidFill>
                   <a:srgbClr val="660033"/>
                 </a:solidFill>
                 <a:latin typeface="微軟正黑體" pitchFamily="34" charset="-120"/>
                 <a:ea typeface="微軟正黑體" pitchFamily="34" charset="-120"/>
               </a:rPr>
-              <a:t>海   四</a:t>
+              <a:t>海  四</a:t>
             </a:r>
             <a:r>
               <a:rPr lang="zh-TW" altLang="en-US" sz="6400" b="1" dirty="0">
@@ -3698,14 +3693,14 @@
               <a:t>望羞愧</a:t>
             </a:r>
             <a:r>
-              <a:rPr lang="zh-TW" altLang="en-US" sz="6400" b="1" dirty="0" smtClean="0">
+              <a:rPr lang="zh-TW" altLang="en-US" sz="6400" b="1" dirty="0">
                 <a:solidFill>
                   <a:srgbClr val="660033"/>
                 </a:solidFill>
                 <a:latin typeface="微軟正黑體" pitchFamily="34" charset="-120"/>
                 <a:ea typeface="微軟正黑體" pitchFamily="34" charset="-120"/>
               </a:rPr>
-              <a:t>時   祢</a:t>
+              <a:t>時  祢</a:t>
             </a:r>
             <a:r>
               <a:rPr lang="zh-TW" altLang="en-US" sz="6400" b="1" dirty="0">
@@ -3736,7 +3731,7 @@
         <p:spPr>
           <a:xfrm>
             <a:off x="0" y="5157192"/>
-            <a:ext cx="12192000" cy="748988"/>
+            <a:ext cx="12192000" cy="666786"/>
           </a:xfrm>
           <a:prstGeom prst="rect">
             <a:avLst/>
@@ -3751,7 +3746,7 @@
           <a:p>
             <a:pPr algn="ctr"/>
             <a:r>
-              <a:rPr lang="en-US" sz="4267" b="1" dirty="0">
+              <a:rPr lang="en-US" sz="3733" b="1" dirty="0">
                 <a:solidFill>
                   <a:srgbClr val="660033"/>
                 </a:solidFill>
@@ -3761,17 +3756,17 @@
               <a:t>( </a:t>
             </a:r>
             <a:r>
-              <a:rPr lang="zh-CN" altLang="en-US" sz="4267" b="1" dirty="0">
+              <a:rPr lang="zh-CN" altLang="en-US" sz="3733" b="1" dirty="0">
                 <a:solidFill>
                   <a:srgbClr val="660033"/>
                 </a:solidFill>
                 <a:latin typeface="Microsoft JhengHei" panose="020B0604030504040204" pitchFamily="34" charset="-120"/>
                 <a:ea typeface="Microsoft JhengHei" panose="020B0604030504040204" pitchFamily="34" charset="-120"/>
               </a:rPr>
-              <a:t>正</a:t>
-            </a:r>
-            <a:r>
-              <a:rPr lang="en-US" sz="4267" b="1" dirty="0">
+              <a:t>正歌</a:t>
+            </a:r>
+            <a:r>
+              <a:rPr lang="en-US" sz="3733" b="1" dirty="0">
                 <a:solidFill>
                   <a:srgbClr val="660033"/>
                 </a:solidFill>
@@ -3780,7 +3775,7 @@
               </a:rPr>
               <a:t> )</a:t>
             </a:r>
-            <a:endParaRPr lang="vi-VN" sz="4267" b="1" dirty="0">
+            <a:endParaRPr lang="vi-VN" sz="3733" b="1" dirty="0">
               <a:solidFill>
                 <a:srgbClr val="660033"/>
               </a:solidFill>
@@ -3792,7 +3787,7 @@
     </p:spTree>
     <p:extLst>
       <p:ext uri="{BB962C8B-B14F-4D97-AF65-F5344CB8AC3E}">
-        <p14:creationId xmlns:p14="http://schemas.microsoft.com/office/powerpoint/2010/main" val="687749444"/>
+        <p14:creationId xmlns:p14="http://schemas.microsoft.com/office/powerpoint/2010/main" val="3500479923"/>
       </p:ext>
     </p:extLst>
   </p:cSld>
@@ -3915,7 +3910,7 @@
         <p:spPr>
           <a:xfrm>
             <a:off x="0" y="5157192"/>
-            <a:ext cx="12192000" cy="748988"/>
+            <a:ext cx="12192000" cy="666786"/>
           </a:xfrm>
           <a:prstGeom prst="rect">
             <a:avLst/>
@@ -3930,7 +3925,7 @@
           <a:p>
             <a:pPr algn="ctr"/>
             <a:r>
-              <a:rPr lang="en-US" sz="4267" b="1" dirty="0">
+              <a:rPr lang="en-US" sz="3733" b="1" dirty="0">
                 <a:solidFill>
                   <a:srgbClr val="660033"/>
                 </a:solidFill>
@@ -3940,36 +3935,26 @@
               <a:t>( </a:t>
             </a:r>
             <a:r>
-              <a:rPr lang="zh-CN" altLang="en-US" sz="4267" b="1" dirty="0" smtClean="0">
+              <a:rPr lang="zh-CN" altLang="en-US" sz="3733" b="1" dirty="0">
                 <a:solidFill>
                   <a:srgbClr val="660033"/>
                 </a:solidFill>
                 <a:latin typeface="Microsoft JhengHei" panose="020B0604030504040204" pitchFamily="34" charset="-120"/>
                 <a:ea typeface="Microsoft JhengHei" panose="020B0604030504040204" pitchFamily="34" charset="-120"/>
               </a:rPr>
-              <a:t>副</a:t>
-            </a:r>
-            <a:r>
-              <a:rPr lang="en-US" sz="4267" b="1" dirty="0" smtClean="0">
+              <a:t>副歌</a:t>
+            </a:r>
+            <a:r>
+              <a:rPr lang="en-US" sz="3733" b="1" dirty="0">
                 <a:solidFill>
                   <a:srgbClr val="660033"/>
                 </a:solidFill>
                 <a:latin typeface="Microsoft JhengHei" panose="020B0604030504040204" pitchFamily="34" charset="-120"/>
                 <a:ea typeface="Microsoft JhengHei" panose="020B0604030504040204" pitchFamily="34" charset="-120"/>
               </a:rPr>
-              <a:t> </a:t>
-            </a:r>
-            <a:r>
-              <a:rPr lang="en-US" sz="4267" b="1" dirty="0">
-                <a:solidFill>
-                  <a:srgbClr val="660033"/>
-                </a:solidFill>
-                <a:latin typeface="Microsoft JhengHei" panose="020B0604030504040204" pitchFamily="34" charset="-120"/>
-                <a:ea typeface="Microsoft JhengHei" panose="020B0604030504040204" pitchFamily="34" charset="-120"/>
-              </a:rPr>
-              <a:t>)</a:t>
-            </a:r>
-            <a:endParaRPr lang="vi-VN" sz="4267" b="1" dirty="0">
+              <a:t> )</a:t>
+            </a:r>
+            <a:endParaRPr lang="vi-VN" sz="3733" b="1" dirty="0">
               <a:solidFill>
                 <a:srgbClr val="660033"/>
               </a:solidFill>
@@ -3981,7 +3966,7 @@
     </p:spTree>
     <p:extLst>
       <p:ext uri="{BB962C8B-B14F-4D97-AF65-F5344CB8AC3E}">
-        <p14:creationId xmlns:p14="http://schemas.microsoft.com/office/powerpoint/2010/main" val="4245786318"/>
+        <p14:creationId xmlns:p14="http://schemas.microsoft.com/office/powerpoint/2010/main" val="3602687843"/>
       </p:ext>
     </p:extLst>
   </p:cSld>
@@ -4104,7 +4089,7 @@
         <p:spPr>
           <a:xfrm>
             <a:off x="0" y="5157192"/>
-            <a:ext cx="12192000" cy="748988"/>
+            <a:ext cx="12192000" cy="666786"/>
           </a:xfrm>
           <a:prstGeom prst="rect">
             <a:avLst/>
@@ -4119,7 +4104,7 @@
           <a:p>
             <a:pPr algn="ctr"/>
             <a:r>
-              <a:rPr lang="en-US" sz="4267" b="1" dirty="0">
+              <a:rPr lang="en-US" sz="3733" b="1" dirty="0">
                 <a:solidFill>
                   <a:srgbClr val="660033"/>
                 </a:solidFill>
@@ -4129,36 +4114,26 @@
               <a:t>( </a:t>
             </a:r>
             <a:r>
-              <a:rPr lang="zh-CN" altLang="en-US" sz="4267" b="1" dirty="0" smtClean="0">
+              <a:rPr lang="zh-CN" altLang="en-US" sz="3733" b="1" dirty="0">
                 <a:solidFill>
                   <a:srgbClr val="660033"/>
                 </a:solidFill>
                 <a:latin typeface="Microsoft JhengHei" panose="020B0604030504040204" pitchFamily="34" charset="-120"/>
                 <a:ea typeface="Microsoft JhengHei" panose="020B0604030504040204" pitchFamily="34" charset="-120"/>
               </a:rPr>
-              <a:t>副</a:t>
-            </a:r>
-            <a:r>
-              <a:rPr lang="en-US" sz="4267" b="1" dirty="0" smtClean="0">
+              <a:t>副歌</a:t>
+            </a:r>
+            <a:r>
+              <a:rPr lang="en-US" sz="3733" b="1" dirty="0">
                 <a:solidFill>
                   <a:srgbClr val="660033"/>
                 </a:solidFill>
                 <a:latin typeface="Microsoft JhengHei" panose="020B0604030504040204" pitchFamily="34" charset="-120"/>
                 <a:ea typeface="Microsoft JhengHei" panose="020B0604030504040204" pitchFamily="34" charset="-120"/>
               </a:rPr>
-              <a:t> </a:t>
-            </a:r>
-            <a:r>
-              <a:rPr lang="en-US" sz="4267" b="1" dirty="0">
-                <a:solidFill>
-                  <a:srgbClr val="660033"/>
-                </a:solidFill>
-                <a:latin typeface="Microsoft JhengHei" panose="020B0604030504040204" pitchFamily="34" charset="-120"/>
-                <a:ea typeface="Microsoft JhengHei" panose="020B0604030504040204" pitchFamily="34" charset="-120"/>
-              </a:rPr>
-              <a:t>)</a:t>
-            </a:r>
-            <a:endParaRPr lang="vi-VN" sz="4267" b="1" dirty="0">
+              <a:t> )</a:t>
+            </a:r>
+            <a:endParaRPr lang="vi-VN" sz="3733" b="1" dirty="0">
               <a:solidFill>
                 <a:srgbClr val="660033"/>
               </a:solidFill>
@@ -4170,7 +4145,7 @@
     </p:spTree>
     <p:extLst>
       <p:ext uri="{BB962C8B-B14F-4D97-AF65-F5344CB8AC3E}">
-        <p14:creationId xmlns:p14="http://schemas.microsoft.com/office/powerpoint/2010/main" val="2655210770"/>
+        <p14:creationId xmlns:p14="http://schemas.microsoft.com/office/powerpoint/2010/main" val="878765925"/>
       </p:ext>
     </p:extLst>
   </p:cSld>
@@ -4215,7 +4190,7 @@
         </p:spPr>
         <p:txBody>
           <a:bodyPr anchor="ctr">
-            <a:normAutofit/>
+            <a:noAutofit/>
           </a:bodyPr>
           <a:lstStyle/>
           <a:p>
@@ -4272,7 +4247,17 @@
                 <a:latin typeface="微軟正黑體" pitchFamily="34" charset="-120"/>
                 <a:ea typeface="微軟正黑體" pitchFamily="34" charset="-120"/>
               </a:rPr>
-              <a:t>永遠如此深愛著我</a:t>
+              <a:t>永遠如此深愛著</a:t>
+            </a:r>
+            <a:r>
+              <a:rPr lang="zh-TW" altLang="en-US" sz="6400" b="1" dirty="0">
+                <a:solidFill>
+                  <a:srgbClr val="660033"/>
+                </a:solidFill>
+                <a:latin typeface="微軟正黑體" pitchFamily="34" charset="-120"/>
+                <a:ea typeface="微軟正黑體" pitchFamily="34" charset="-120"/>
+              </a:rPr>
+              <a:t>我</a:t>
             </a:r>
             <a:endParaRPr lang="en-US" altLang="zh-TW" sz="6400" b="1" dirty="0">
               <a:solidFill>
@@ -4293,7 +4278,7 @@
         <p:spPr>
           <a:xfrm>
             <a:off x="0" y="5157192"/>
-            <a:ext cx="12192000" cy="748988"/>
+            <a:ext cx="12192000" cy="666786"/>
           </a:xfrm>
           <a:prstGeom prst="rect">
             <a:avLst/>
@@ -4308,7 +4293,7 @@
           <a:p>
             <a:pPr algn="ctr"/>
             <a:r>
-              <a:rPr lang="en-US" sz="4267" b="1" dirty="0">
+              <a:rPr lang="en-US" sz="3733" b="1" dirty="0">
                 <a:solidFill>
                   <a:srgbClr val="660033"/>
                 </a:solidFill>
@@ -4318,36 +4303,26 @@
               <a:t>( </a:t>
             </a:r>
             <a:r>
-              <a:rPr lang="zh-CN" altLang="en-US" sz="4267" b="1" dirty="0" smtClean="0">
+              <a:rPr lang="zh-CN" altLang="en-US" sz="3733" b="1" dirty="0">
                 <a:solidFill>
                   <a:srgbClr val="660033"/>
                 </a:solidFill>
                 <a:latin typeface="Microsoft JhengHei" panose="020B0604030504040204" pitchFamily="34" charset="-120"/>
                 <a:ea typeface="Microsoft JhengHei" panose="020B0604030504040204" pitchFamily="34" charset="-120"/>
               </a:rPr>
-              <a:t>副</a:t>
-            </a:r>
-            <a:r>
-              <a:rPr lang="en-US" sz="4267" b="1" dirty="0" smtClean="0">
+              <a:t>副歌</a:t>
+            </a:r>
+            <a:r>
+              <a:rPr lang="en-US" sz="3733" b="1" dirty="0">
                 <a:solidFill>
                   <a:srgbClr val="660033"/>
                 </a:solidFill>
                 <a:latin typeface="Microsoft JhengHei" panose="020B0604030504040204" pitchFamily="34" charset="-120"/>
                 <a:ea typeface="Microsoft JhengHei" panose="020B0604030504040204" pitchFamily="34" charset="-120"/>
               </a:rPr>
-              <a:t> </a:t>
-            </a:r>
-            <a:r>
-              <a:rPr lang="en-US" sz="4267" b="1" dirty="0">
-                <a:solidFill>
-                  <a:srgbClr val="660033"/>
-                </a:solidFill>
-                <a:latin typeface="Microsoft JhengHei" panose="020B0604030504040204" pitchFamily="34" charset="-120"/>
-                <a:ea typeface="Microsoft JhengHei" panose="020B0604030504040204" pitchFamily="34" charset="-120"/>
-              </a:rPr>
-              <a:t>)</a:t>
-            </a:r>
-            <a:endParaRPr lang="vi-VN" sz="4267" b="1" dirty="0">
+              <a:t> )</a:t>
+            </a:r>
+            <a:endParaRPr lang="vi-VN" sz="3733" b="1" dirty="0">
               <a:solidFill>
                 <a:srgbClr val="660033"/>
               </a:solidFill>
@@ -4359,7 +4334,7 @@
     </p:spTree>
     <p:extLst>
       <p:ext uri="{BB962C8B-B14F-4D97-AF65-F5344CB8AC3E}">
-        <p14:creationId xmlns:p14="http://schemas.microsoft.com/office/powerpoint/2010/main" val="3628727358"/>
+        <p14:creationId xmlns:p14="http://schemas.microsoft.com/office/powerpoint/2010/main" val="1630573012"/>
       </p:ext>
     </p:extLst>
   </p:cSld>
@@ -4404,7 +4379,7 @@
         </p:spPr>
         <p:txBody>
           <a:bodyPr anchor="ctr">
-            <a:normAutofit/>
+            <a:noAutofit/>
           </a:bodyPr>
           <a:lstStyle/>
           <a:p>
@@ -4419,49 +4394,27 @@
                 <a:latin typeface="微軟正黑體" pitchFamily="34" charset="-120"/>
                 <a:ea typeface="微軟正黑體" pitchFamily="34" charset="-120"/>
               </a:rPr>
-              <a:t>不論是生命或死</a:t>
-            </a:r>
-            <a:r>
-              <a:rPr lang="zh-TW" altLang="en-US" sz="6400" b="1" dirty="0" smtClean="0">
+              <a:t>不</a:t>
+            </a:r>
+            <a:r>
+              <a:rPr lang="zh-TW" altLang="en-US" sz="6400" b="1" dirty="0">
                 <a:solidFill>
                   <a:srgbClr val="660033"/>
                 </a:solidFill>
                 <a:latin typeface="微軟正黑體" pitchFamily="34" charset="-120"/>
                 <a:ea typeface="微軟正黑體" pitchFamily="34" charset="-120"/>
               </a:rPr>
-              <a:t>亡</a:t>
-            </a:r>
-            <a:endParaRPr lang="en-US" altLang="zh-TW" sz="6400" b="1" dirty="0" smtClean="0">
-              <a:solidFill>
-                <a:srgbClr val="660033"/>
-              </a:solidFill>
-              <a:latin typeface="微軟正黑體" pitchFamily="34" charset="-120"/>
-              <a:ea typeface="微軟正黑體" pitchFamily="34" charset="-120"/>
-            </a:endParaRPr>
-          </a:p>
-          <a:p>
-            <a:pPr algn="ctr">
-              <a:buNone/>
-            </a:pPr>
-            <a:r>
-              <a:rPr lang="zh-TW" altLang="en-US" sz="6400" b="1" dirty="0" smtClean="0">
+              <a:t>論是生命或死</a:t>
+            </a:r>
+            <a:r>
+              <a:rPr lang="zh-TW" altLang="en-US" sz="6400" b="1" dirty="0">
                 <a:solidFill>
                   <a:srgbClr val="660033"/>
                 </a:solidFill>
                 <a:latin typeface="微軟正黑體" pitchFamily="34" charset="-120"/>
                 <a:ea typeface="微軟正黑體" pitchFamily="34" charset="-120"/>
               </a:rPr>
-              <a:t>困</a:t>
-            </a:r>
-            <a:r>
-              <a:rPr lang="zh-TW" altLang="en-US" sz="6400" b="1" dirty="0">
-                <a:solidFill>
-                  <a:srgbClr val="660033"/>
-                </a:solidFill>
-                <a:latin typeface="微軟正黑體" pitchFamily="34" charset="-120"/>
-                <a:ea typeface="微軟正黑體" pitchFamily="34" charset="-120"/>
-              </a:rPr>
-              <a:t>苦患難逼迫</a:t>
+              <a:t>亡</a:t>
             </a:r>
             <a:endParaRPr lang="en-US" altLang="zh-TW" sz="6400" b="1" dirty="0">
               <a:solidFill>
@@ -4471,6 +4424,38 @@
               <a:ea typeface="微軟正黑體" pitchFamily="34" charset="-120"/>
             </a:endParaRPr>
           </a:p>
+          <a:p>
+            <a:pPr algn="ctr">
+              <a:buNone/>
+            </a:pPr>
+            <a:r>
+              <a:rPr lang="zh-TW" altLang="en-US" sz="6400" b="1" dirty="0">
+                <a:solidFill>
+                  <a:srgbClr val="660033"/>
+                </a:solidFill>
+                <a:latin typeface="微軟正黑體" pitchFamily="34" charset="-120"/>
+                <a:ea typeface="微軟正黑體" pitchFamily="34" charset="-120"/>
+              </a:rPr>
+              <a:t>困</a:t>
+            </a:r>
+            <a:r>
+              <a:rPr lang="zh-TW" altLang="en-US" sz="6400" b="1" dirty="0">
+                <a:solidFill>
+                  <a:srgbClr val="660033"/>
+                </a:solidFill>
+                <a:latin typeface="微軟正黑體" pitchFamily="34" charset="-120"/>
+                <a:ea typeface="微軟正黑體" pitchFamily="34" charset="-120"/>
+              </a:rPr>
+              <a:t>苦患難逼迫</a:t>
+            </a:r>
+            <a:endParaRPr lang="en-US" altLang="zh-TW" sz="6400" b="1" dirty="0">
+              <a:solidFill>
+                <a:srgbClr val="660033"/>
+              </a:solidFill>
+              <a:latin typeface="微軟正黑體" pitchFamily="34" charset="-120"/>
+              <a:ea typeface="微軟正黑體" pitchFamily="34" charset="-120"/>
+            </a:endParaRPr>
+          </a:p>
         </p:txBody>
       </p:sp>
       <p:sp>
@@ -4482,7 +4467,7 @@
         <p:spPr>
           <a:xfrm>
             <a:off x="0" y="5157192"/>
-            <a:ext cx="12192000" cy="748988"/>
+            <a:ext cx="12192000" cy="666786"/>
           </a:xfrm>
           <a:prstGeom prst="rect">
             <a:avLst/>
@@ -4497,7 +4482,7 @@
           <a:p>
             <a:pPr algn="ctr"/>
             <a:r>
-              <a:rPr lang="en-US" sz="4267" b="1" dirty="0">
+              <a:rPr lang="en-US" sz="3733" b="1" dirty="0">
                 <a:solidFill>
                   <a:srgbClr val="660033"/>
                 </a:solidFill>
@@ -4507,36 +4492,26 @@
               <a:t>( </a:t>
             </a:r>
             <a:r>
-              <a:rPr lang="zh-CN" altLang="en-US" sz="4267" b="1" dirty="0" smtClean="0">
+              <a:rPr lang="zh-CN" altLang="en-US" sz="3733" b="1" dirty="0">
                 <a:solidFill>
                   <a:srgbClr val="660033"/>
                 </a:solidFill>
                 <a:latin typeface="Microsoft JhengHei" panose="020B0604030504040204" pitchFamily="34" charset="-120"/>
                 <a:ea typeface="Microsoft JhengHei" panose="020B0604030504040204" pitchFamily="34" charset="-120"/>
               </a:rPr>
-              <a:t>副</a:t>
-            </a:r>
-            <a:r>
-              <a:rPr lang="en-US" sz="4267" b="1" dirty="0" smtClean="0">
+              <a:t>副歌</a:t>
+            </a:r>
+            <a:r>
+              <a:rPr lang="en-US" sz="3733" b="1" dirty="0">
                 <a:solidFill>
                   <a:srgbClr val="660033"/>
                 </a:solidFill>
                 <a:latin typeface="Microsoft JhengHei" panose="020B0604030504040204" pitchFamily="34" charset="-120"/>
                 <a:ea typeface="Microsoft JhengHei" panose="020B0604030504040204" pitchFamily="34" charset="-120"/>
               </a:rPr>
-              <a:t> </a:t>
-            </a:r>
-            <a:r>
-              <a:rPr lang="en-US" sz="4267" b="1" dirty="0">
-                <a:solidFill>
-                  <a:srgbClr val="660033"/>
-                </a:solidFill>
-                <a:latin typeface="Microsoft JhengHei" panose="020B0604030504040204" pitchFamily="34" charset="-120"/>
-                <a:ea typeface="Microsoft JhengHei" panose="020B0604030504040204" pitchFamily="34" charset="-120"/>
-              </a:rPr>
-              <a:t>)</a:t>
-            </a:r>
-            <a:endParaRPr lang="vi-VN" sz="4267" b="1" dirty="0">
+              <a:t> )</a:t>
+            </a:r>
+            <a:endParaRPr lang="vi-VN" sz="3733" b="1" dirty="0">
               <a:solidFill>
                 <a:srgbClr val="660033"/>
               </a:solidFill>
@@ -4548,7 +4523,7 @@
     </p:spTree>
     <p:extLst>
       <p:ext uri="{BB962C8B-B14F-4D97-AF65-F5344CB8AC3E}">
-        <p14:creationId xmlns:p14="http://schemas.microsoft.com/office/powerpoint/2010/main" val="2414601700"/>
+        <p14:creationId xmlns:p14="http://schemas.microsoft.com/office/powerpoint/2010/main" val="3657200033"/>
       </p:ext>
     </p:extLst>
   </p:cSld>
@@ -4593,7 +4568,7 @@
         </p:spPr>
         <p:txBody>
           <a:bodyPr anchor="ctr">
-            <a:normAutofit/>
+            <a:noAutofit/>
           </a:bodyPr>
           <a:lstStyle/>
           <a:p>
@@ -4629,7 +4604,7 @@
         <p:spPr>
           <a:xfrm>
             <a:off x="0" y="5157192"/>
-            <a:ext cx="12192000" cy="748988"/>
+            <a:ext cx="12192000" cy="666786"/>
           </a:xfrm>
           <a:prstGeom prst="rect">
             <a:avLst/>
@@ -4644,7 +4619,7 @@
           <a:p>
             <a:pPr algn="ctr"/>
             <a:r>
-              <a:rPr lang="en-US" sz="4267" b="1" dirty="0">
+              <a:rPr lang="en-US" sz="3733" b="1" dirty="0">
                 <a:solidFill>
                   <a:srgbClr val="660033"/>
                 </a:solidFill>
@@ -4654,36 +4629,26 @@
               <a:t>( </a:t>
             </a:r>
             <a:r>
-              <a:rPr lang="zh-CN" altLang="en-US" sz="4267" b="1" dirty="0" smtClean="0">
+              <a:rPr lang="zh-CN" altLang="en-US" sz="3733" b="1" dirty="0">
                 <a:solidFill>
                   <a:srgbClr val="660033"/>
                 </a:solidFill>
                 <a:latin typeface="Microsoft JhengHei" panose="020B0604030504040204" pitchFamily="34" charset="-120"/>
                 <a:ea typeface="Microsoft JhengHei" panose="020B0604030504040204" pitchFamily="34" charset="-120"/>
               </a:rPr>
-              <a:t>副</a:t>
-            </a:r>
-            <a:r>
-              <a:rPr lang="en-US" sz="4267" b="1" dirty="0" smtClean="0">
+              <a:t>副歌</a:t>
+            </a:r>
+            <a:r>
+              <a:rPr lang="en-US" sz="3733" b="1" dirty="0">
                 <a:solidFill>
                   <a:srgbClr val="660033"/>
                 </a:solidFill>
                 <a:latin typeface="Microsoft JhengHei" panose="020B0604030504040204" pitchFamily="34" charset="-120"/>
                 <a:ea typeface="Microsoft JhengHei" panose="020B0604030504040204" pitchFamily="34" charset="-120"/>
               </a:rPr>
-              <a:t> </a:t>
-            </a:r>
-            <a:r>
-              <a:rPr lang="en-US" sz="4267" b="1" dirty="0">
-                <a:solidFill>
-                  <a:srgbClr val="660033"/>
-                </a:solidFill>
-                <a:latin typeface="Microsoft JhengHei" panose="020B0604030504040204" pitchFamily="34" charset="-120"/>
-                <a:ea typeface="Microsoft JhengHei" panose="020B0604030504040204" pitchFamily="34" charset="-120"/>
-              </a:rPr>
-              <a:t>)</a:t>
-            </a:r>
-            <a:endParaRPr lang="vi-VN" sz="4267" b="1" dirty="0">
+              <a:t> )</a:t>
+            </a:r>
+            <a:endParaRPr lang="vi-VN" sz="3733" b="1" dirty="0">
               <a:solidFill>
                 <a:srgbClr val="660033"/>
               </a:solidFill>
@@ -4695,7 +4660,7 @@
     </p:spTree>
     <p:extLst>
       <p:ext uri="{BB962C8B-B14F-4D97-AF65-F5344CB8AC3E}">
-        <p14:creationId xmlns:p14="http://schemas.microsoft.com/office/powerpoint/2010/main" val="1792297300"/>
+        <p14:creationId xmlns:p14="http://schemas.microsoft.com/office/powerpoint/2010/main" val="104879590"/>
       </p:ext>
     </p:extLst>
   </p:cSld>
@@ -4740,7 +4705,7 @@
         </p:spPr>
         <p:txBody>
           <a:bodyPr anchor="ctr">
-            <a:normAutofit/>
+            <a:noAutofit/>
           </a:bodyPr>
           <a:lstStyle/>
           <a:p>
@@ -4758,14 +4723,14 @@
               <a:t>何等長</a:t>
             </a:r>
             <a:r>
-              <a:rPr lang="zh-TW" altLang="en-US" sz="6400" b="1" dirty="0" smtClean="0">
+              <a:rPr lang="zh-TW" altLang="en-US" sz="6400" b="1" dirty="0">
                 <a:solidFill>
                   <a:srgbClr val="660033"/>
                 </a:solidFill>
                 <a:latin typeface="微軟正黑體" pitchFamily="34" charset="-120"/>
                 <a:ea typeface="微軟正黑體" pitchFamily="34" charset="-120"/>
               </a:rPr>
-              <a:t>闊   何</a:t>
+              <a:t>闊  何</a:t>
             </a:r>
             <a:r>
               <a:rPr lang="zh-TW" altLang="en-US" sz="6400" b="1" dirty="0">
@@ -4820,14 +4785,14 @@
               <a:t>離地多</a:t>
             </a:r>
             <a:r>
-              <a:rPr lang="zh-TW" altLang="en-US" sz="6400" b="1" dirty="0" smtClean="0">
+              <a:rPr lang="zh-TW" altLang="en-US" sz="6400" b="1" dirty="0">
                 <a:solidFill>
                   <a:srgbClr val="660033"/>
                 </a:solidFill>
                 <a:latin typeface="微軟正黑體" pitchFamily="34" charset="-120"/>
                 <a:ea typeface="微軟正黑體" pitchFamily="34" charset="-120"/>
               </a:rPr>
-              <a:t>高   祢</a:t>
+              <a:t>高  祢</a:t>
             </a:r>
             <a:r>
               <a:rPr lang="zh-TW" altLang="en-US" sz="6400" b="1" dirty="0">
@@ -4858,7 +4823,7 @@
         <p:spPr>
           <a:xfrm>
             <a:off x="0" y="5157192"/>
-            <a:ext cx="12192000" cy="748988"/>
+            <a:ext cx="12192000" cy="666786"/>
           </a:xfrm>
           <a:prstGeom prst="rect">
             <a:avLst/>
@@ -4873,7 +4838,7 @@
           <a:p>
             <a:pPr algn="ctr"/>
             <a:r>
-              <a:rPr lang="en-US" sz="4267" b="1" dirty="0">
+              <a:rPr lang="en-US" sz="3733" b="1" dirty="0">
                 <a:solidFill>
                   <a:srgbClr val="660033"/>
                 </a:solidFill>
@@ -4883,7 +4848,7 @@
               <a:t>( </a:t>
             </a:r>
             <a:r>
-              <a:rPr lang="zh-CN" altLang="en-US" sz="4267" b="1" dirty="0" smtClean="0">
+              <a:rPr lang="zh-CN" altLang="en-US" sz="3733" b="1" dirty="0">
                 <a:solidFill>
                   <a:srgbClr val="660033"/>
                 </a:solidFill>
@@ -4893,26 +4858,16 @@
               <a:t>橋</a:t>
             </a:r>
             <a:r>
-              <a:rPr lang="en-US" sz="4267" b="1" dirty="0" smtClean="0">
+              <a:rPr lang="en-US" sz="3733" b="1" dirty="0">
                 <a:solidFill>
                   <a:srgbClr val="660033"/>
                 </a:solidFill>
                 <a:latin typeface="Microsoft JhengHei" panose="020B0604030504040204" pitchFamily="34" charset="-120"/>
                 <a:ea typeface="Microsoft JhengHei" panose="020B0604030504040204" pitchFamily="34" charset="-120"/>
               </a:rPr>
-              <a:t> </a:t>
-            </a:r>
-            <a:r>
-              <a:rPr lang="en-US" sz="4267" b="1" dirty="0">
-                <a:solidFill>
-                  <a:srgbClr val="660033"/>
-                </a:solidFill>
-                <a:latin typeface="Microsoft JhengHei" panose="020B0604030504040204" pitchFamily="34" charset="-120"/>
-                <a:ea typeface="Microsoft JhengHei" panose="020B0604030504040204" pitchFamily="34" charset="-120"/>
-              </a:rPr>
-              <a:t>)</a:t>
-            </a:r>
-            <a:endParaRPr lang="vi-VN" sz="4267" b="1" dirty="0">
+              <a:t> )</a:t>
+            </a:r>
+            <a:endParaRPr lang="vi-VN" sz="3733" b="1" dirty="0">
               <a:solidFill>
                 <a:srgbClr val="660033"/>
               </a:solidFill>
@@ -4924,7 +4879,7 @@
     </p:spTree>
     <p:extLst>
       <p:ext uri="{BB962C8B-B14F-4D97-AF65-F5344CB8AC3E}">
-        <p14:creationId xmlns:p14="http://schemas.microsoft.com/office/powerpoint/2010/main" val="790007191"/>
+        <p14:creationId xmlns:p14="http://schemas.microsoft.com/office/powerpoint/2010/main" val="4140105969"/>
       </p:ext>
     </p:extLst>
   </p:cSld>
